--- a/mlnd/projects/capstone/CapStone_Proposal.pptx
+++ b/mlnd/projects/capstone/CapStone_Proposal.pptx
@@ -4,16 +4,19 @@
   <p:sldMasterIdLst>
     <p:sldMasterId id="2147483648" r:id="rId1"/>
   </p:sldMasterIdLst>
+  <p:notesMasterIdLst>
+    <p:notesMasterId r:id="rId11"/>
+  </p:notesMasterIdLst>
   <p:sldIdLst>
     <p:sldId id="256" r:id="rId2"/>
-    <p:sldId id="257" r:id="rId3"/>
-    <p:sldId id="258" r:id="rId4"/>
-    <p:sldId id="259" r:id="rId5"/>
-    <p:sldId id="264" r:id="rId6"/>
+    <p:sldId id="266" r:id="rId3"/>
+    <p:sldId id="259" r:id="rId4"/>
+    <p:sldId id="264" r:id="rId5"/>
+    <p:sldId id="258" r:id="rId6"/>
     <p:sldId id="260" r:id="rId7"/>
-    <p:sldId id="261" r:id="rId8"/>
+    <p:sldId id="263" r:id="rId8"/>
     <p:sldId id="262" r:id="rId9"/>
-    <p:sldId id="263" r:id="rId10"/>
+    <p:sldId id="261" r:id="rId10"/>
   </p:sldIdLst>
   <p:sldSz cx="12192000" cy="6858000"/>
   <p:notesSz cx="6858000" cy="9144000"/>
@@ -112,7 +115,574 @@
       </a:defRPr>
     </a:lvl9pPr>
   </p:defaultTextStyle>
+  <p:extLst>
+    <p:ext uri="{EFAFB233-063F-42B5-8137-9DF3F51BA10A}">
+      <p15:sldGuideLst xmlns:p15="http://schemas.microsoft.com/office/powerpoint/2012/main"/>
+    </p:ext>
+  </p:extLst>
 </p:presentation>
+</file>
+
+<file path=ppt/notesMasters/notesMaster1.xml><?xml version="1.0" encoding="utf-8"?>
+<p:notesMaster xmlns:a="http://schemas.openxmlformats.org/drawingml/2006/main" xmlns:r="http://schemas.openxmlformats.org/officeDocument/2006/relationships" xmlns:p="http://schemas.openxmlformats.org/presentationml/2006/main">
+  <p:cSld>
+    <p:bg>
+      <p:bgRef idx="1001">
+        <a:schemeClr val="bg1"/>
+      </p:bgRef>
+    </p:bg>
+    <p:spTree>
+      <p:nvGrpSpPr>
+        <p:cNvPr id="1" name=""/>
+        <p:cNvGrpSpPr/>
+        <p:nvPr/>
+      </p:nvGrpSpPr>
+      <p:grpSpPr>
+        <a:xfrm>
+          <a:off x="0" y="0"/>
+          <a:ext cx="0" cy="0"/>
+          <a:chOff x="0" y="0"/>
+          <a:chExt cx="0" cy="0"/>
+        </a:xfrm>
+      </p:grpSpPr>
+      <p:sp>
+        <p:nvSpPr>
+          <p:cNvPr id="2" name="Header Placeholder 1"/>
+          <p:cNvSpPr>
+            <a:spLocks noGrp="1"/>
+          </p:cNvSpPr>
+          <p:nvPr>
+            <p:ph type="hdr" sz="quarter"/>
+          </p:nvPr>
+        </p:nvSpPr>
+        <p:spPr>
+          <a:xfrm>
+            <a:off x="0" y="0"/>
+            <a:ext cx="2971800" cy="458788"/>
+          </a:xfrm>
+          <a:prstGeom prst="rect">
+            <a:avLst/>
+          </a:prstGeom>
+        </p:spPr>
+        <p:txBody>
+          <a:bodyPr vert="horz" lIns="91440" tIns="45720" rIns="91440" bIns="45720" rtlCol="0"/>
+          <a:lstStyle>
+            <a:lvl1pPr algn="l">
+              <a:defRPr sz="1200"/>
+            </a:lvl1pPr>
+          </a:lstStyle>
+          <a:p>
+            <a:endParaRPr lang="en-US"/>
+          </a:p>
+        </p:txBody>
+      </p:sp>
+      <p:sp>
+        <p:nvSpPr>
+          <p:cNvPr id="3" name="Date Placeholder 2"/>
+          <p:cNvSpPr>
+            <a:spLocks noGrp="1"/>
+          </p:cNvSpPr>
+          <p:nvPr>
+            <p:ph type="dt" idx="1"/>
+          </p:nvPr>
+        </p:nvSpPr>
+        <p:spPr>
+          <a:xfrm>
+            <a:off x="3884613" y="0"/>
+            <a:ext cx="2971800" cy="458788"/>
+          </a:xfrm>
+          <a:prstGeom prst="rect">
+            <a:avLst/>
+          </a:prstGeom>
+        </p:spPr>
+        <p:txBody>
+          <a:bodyPr vert="horz" lIns="91440" tIns="45720" rIns="91440" bIns="45720" rtlCol="0"/>
+          <a:lstStyle>
+            <a:lvl1pPr algn="r">
+              <a:defRPr sz="1200"/>
+            </a:lvl1pPr>
+          </a:lstStyle>
+          <a:p>
+            <a:fld id="{F3F597CA-C4CA-FA47-B492-FF1D72C16771}" type="datetimeFigureOut">
+              <a:rPr lang="en-US" smtClean="0"/>
+              <a:t>6/2/18</a:t>
+            </a:fld>
+            <a:endParaRPr lang="en-US"/>
+          </a:p>
+        </p:txBody>
+      </p:sp>
+      <p:sp>
+        <p:nvSpPr>
+          <p:cNvPr id="4" name="Slide Image Placeholder 3"/>
+          <p:cNvSpPr>
+            <a:spLocks noGrp="1" noRot="1" noChangeAspect="1"/>
+          </p:cNvSpPr>
+          <p:nvPr>
+            <p:ph type="sldImg" idx="2"/>
+          </p:nvPr>
+        </p:nvSpPr>
+        <p:spPr>
+          <a:xfrm>
+            <a:off x="685800" y="1143000"/>
+            <a:ext cx="5486400" cy="3086100"/>
+          </a:xfrm>
+          <a:prstGeom prst="rect">
+            <a:avLst/>
+          </a:prstGeom>
+          <a:noFill/>
+          <a:ln w="12700">
+            <a:solidFill>
+              <a:prstClr val="black"/>
+            </a:solidFill>
+          </a:ln>
+        </p:spPr>
+        <p:txBody>
+          <a:bodyPr vert="horz" lIns="91440" tIns="45720" rIns="91440" bIns="45720" rtlCol="0" anchor="ctr"/>
+          <a:lstStyle/>
+          <a:p>
+            <a:endParaRPr lang="en-US"/>
+          </a:p>
+        </p:txBody>
+      </p:sp>
+      <p:sp>
+        <p:nvSpPr>
+          <p:cNvPr id="5" name="Notes Placeholder 4"/>
+          <p:cNvSpPr>
+            <a:spLocks noGrp="1"/>
+          </p:cNvSpPr>
+          <p:nvPr>
+            <p:ph type="body" sz="quarter" idx="3"/>
+          </p:nvPr>
+        </p:nvSpPr>
+        <p:spPr>
+          <a:xfrm>
+            <a:off x="685800" y="4400550"/>
+            <a:ext cx="5486400" cy="3600450"/>
+          </a:xfrm>
+          <a:prstGeom prst="rect">
+            <a:avLst/>
+          </a:prstGeom>
+        </p:spPr>
+        <p:txBody>
+          <a:bodyPr vert="horz" lIns="91440" tIns="45720" rIns="91440" bIns="45720" rtlCol="0"/>
+          <a:lstStyle/>
+          <a:p>
+            <a:pPr lvl="0"/>
+            <a:r>
+              <a:rPr lang="en-US"/>
+              <a:t>Edit Master text styles</a:t>
+            </a:r>
+          </a:p>
+          <a:p>
+            <a:pPr lvl="1"/>
+            <a:r>
+              <a:rPr lang="en-US"/>
+              <a:t>Second level</a:t>
+            </a:r>
+          </a:p>
+          <a:p>
+            <a:pPr lvl="2"/>
+            <a:r>
+              <a:rPr lang="en-US"/>
+              <a:t>Third level</a:t>
+            </a:r>
+          </a:p>
+          <a:p>
+            <a:pPr lvl="3"/>
+            <a:r>
+              <a:rPr lang="en-US"/>
+              <a:t>Fourth level</a:t>
+            </a:r>
+          </a:p>
+          <a:p>
+            <a:pPr lvl="4"/>
+            <a:r>
+              <a:rPr lang="en-US"/>
+              <a:t>Fifth level</a:t>
+            </a:r>
+          </a:p>
+        </p:txBody>
+      </p:sp>
+      <p:sp>
+        <p:nvSpPr>
+          <p:cNvPr id="6" name="Footer Placeholder 5"/>
+          <p:cNvSpPr>
+            <a:spLocks noGrp="1"/>
+          </p:cNvSpPr>
+          <p:nvPr>
+            <p:ph type="ftr" sz="quarter" idx="4"/>
+          </p:nvPr>
+        </p:nvSpPr>
+        <p:spPr>
+          <a:xfrm>
+            <a:off x="0" y="8685213"/>
+            <a:ext cx="2971800" cy="458787"/>
+          </a:xfrm>
+          <a:prstGeom prst="rect">
+            <a:avLst/>
+          </a:prstGeom>
+        </p:spPr>
+        <p:txBody>
+          <a:bodyPr vert="horz" lIns="91440" tIns="45720" rIns="91440" bIns="45720" rtlCol="0" anchor="b"/>
+          <a:lstStyle>
+            <a:lvl1pPr algn="l">
+              <a:defRPr sz="1200"/>
+            </a:lvl1pPr>
+          </a:lstStyle>
+          <a:p>
+            <a:endParaRPr lang="en-US"/>
+          </a:p>
+        </p:txBody>
+      </p:sp>
+      <p:sp>
+        <p:nvSpPr>
+          <p:cNvPr id="7" name="Slide Number Placeholder 6"/>
+          <p:cNvSpPr>
+            <a:spLocks noGrp="1"/>
+          </p:cNvSpPr>
+          <p:nvPr>
+            <p:ph type="sldNum" sz="quarter" idx="5"/>
+          </p:nvPr>
+        </p:nvSpPr>
+        <p:spPr>
+          <a:xfrm>
+            <a:off x="3884613" y="8685213"/>
+            <a:ext cx="2971800" cy="458787"/>
+          </a:xfrm>
+          <a:prstGeom prst="rect">
+            <a:avLst/>
+          </a:prstGeom>
+        </p:spPr>
+        <p:txBody>
+          <a:bodyPr vert="horz" lIns="91440" tIns="45720" rIns="91440" bIns="45720" rtlCol="0" anchor="b"/>
+          <a:lstStyle>
+            <a:lvl1pPr algn="r">
+              <a:defRPr sz="1200"/>
+            </a:lvl1pPr>
+          </a:lstStyle>
+          <a:p>
+            <a:fld id="{E3FC59BA-BD43-D546-A601-C045B6DDC9DB}" type="slidenum">
+              <a:rPr lang="en-US" smtClean="0"/>
+              <a:t>‹#›</a:t>
+            </a:fld>
+            <a:endParaRPr lang="en-US"/>
+          </a:p>
+        </p:txBody>
+      </p:sp>
+    </p:spTree>
+    <p:extLst>
+      <p:ext uri="{BB962C8B-B14F-4D97-AF65-F5344CB8AC3E}">
+        <p14:creationId xmlns:p14="http://schemas.microsoft.com/office/powerpoint/2010/main" val="2439112662"/>
+      </p:ext>
+    </p:extLst>
+  </p:cSld>
+  <p:clrMap bg1="lt1" tx1="dk1" bg2="lt2" tx2="dk2" accent1="accent1" accent2="accent2" accent3="accent3" accent4="accent4" accent5="accent5" accent6="accent6" hlink="hlink" folHlink="folHlink"/>
+  <p:notesStyle>
+    <a:lvl1pPr marL="0" algn="l" defTabSz="914400" rtl="0" eaLnBrk="1" latinLnBrk="0" hangingPunct="1">
+      <a:defRPr sz="1200" kern="1200">
+        <a:solidFill>
+          <a:schemeClr val="tx1"/>
+        </a:solidFill>
+        <a:latin typeface="+mn-lt"/>
+        <a:ea typeface="+mn-ea"/>
+        <a:cs typeface="+mn-cs"/>
+      </a:defRPr>
+    </a:lvl1pPr>
+    <a:lvl2pPr marL="457200" algn="l" defTabSz="914400" rtl="0" eaLnBrk="1" latinLnBrk="0" hangingPunct="1">
+      <a:defRPr sz="1200" kern="1200">
+        <a:solidFill>
+          <a:schemeClr val="tx1"/>
+        </a:solidFill>
+        <a:latin typeface="+mn-lt"/>
+        <a:ea typeface="+mn-ea"/>
+        <a:cs typeface="+mn-cs"/>
+      </a:defRPr>
+    </a:lvl2pPr>
+    <a:lvl3pPr marL="914400" algn="l" defTabSz="914400" rtl="0" eaLnBrk="1" latinLnBrk="0" hangingPunct="1">
+      <a:defRPr sz="1200" kern="1200">
+        <a:solidFill>
+          <a:schemeClr val="tx1"/>
+        </a:solidFill>
+        <a:latin typeface="+mn-lt"/>
+        <a:ea typeface="+mn-ea"/>
+        <a:cs typeface="+mn-cs"/>
+      </a:defRPr>
+    </a:lvl3pPr>
+    <a:lvl4pPr marL="1371600" algn="l" defTabSz="914400" rtl="0" eaLnBrk="1" latinLnBrk="0" hangingPunct="1">
+      <a:defRPr sz="1200" kern="1200">
+        <a:solidFill>
+          <a:schemeClr val="tx1"/>
+        </a:solidFill>
+        <a:latin typeface="+mn-lt"/>
+        <a:ea typeface="+mn-ea"/>
+        <a:cs typeface="+mn-cs"/>
+      </a:defRPr>
+    </a:lvl4pPr>
+    <a:lvl5pPr marL="1828800" algn="l" defTabSz="914400" rtl="0" eaLnBrk="1" latinLnBrk="0" hangingPunct="1">
+      <a:defRPr sz="1200" kern="1200">
+        <a:solidFill>
+          <a:schemeClr val="tx1"/>
+        </a:solidFill>
+        <a:latin typeface="+mn-lt"/>
+        <a:ea typeface="+mn-ea"/>
+        <a:cs typeface="+mn-cs"/>
+      </a:defRPr>
+    </a:lvl5pPr>
+    <a:lvl6pPr marL="2286000" algn="l" defTabSz="914400" rtl="0" eaLnBrk="1" latinLnBrk="0" hangingPunct="1">
+      <a:defRPr sz="1200" kern="1200">
+        <a:solidFill>
+          <a:schemeClr val="tx1"/>
+        </a:solidFill>
+        <a:latin typeface="+mn-lt"/>
+        <a:ea typeface="+mn-ea"/>
+        <a:cs typeface="+mn-cs"/>
+      </a:defRPr>
+    </a:lvl6pPr>
+    <a:lvl7pPr marL="2743200" algn="l" defTabSz="914400" rtl="0" eaLnBrk="1" latinLnBrk="0" hangingPunct="1">
+      <a:defRPr sz="1200" kern="1200">
+        <a:solidFill>
+          <a:schemeClr val="tx1"/>
+        </a:solidFill>
+        <a:latin typeface="+mn-lt"/>
+        <a:ea typeface="+mn-ea"/>
+        <a:cs typeface="+mn-cs"/>
+      </a:defRPr>
+    </a:lvl7pPr>
+    <a:lvl8pPr marL="3200400" algn="l" defTabSz="914400" rtl="0" eaLnBrk="1" latinLnBrk="0" hangingPunct="1">
+      <a:defRPr sz="1200" kern="1200">
+        <a:solidFill>
+          <a:schemeClr val="tx1"/>
+        </a:solidFill>
+        <a:latin typeface="+mn-lt"/>
+        <a:ea typeface="+mn-ea"/>
+        <a:cs typeface="+mn-cs"/>
+      </a:defRPr>
+    </a:lvl8pPr>
+    <a:lvl9pPr marL="3657600" algn="l" defTabSz="914400" rtl="0" eaLnBrk="1" latinLnBrk="0" hangingPunct="1">
+      <a:defRPr sz="1200" kern="1200">
+        <a:solidFill>
+          <a:schemeClr val="tx1"/>
+        </a:solidFill>
+        <a:latin typeface="+mn-lt"/>
+        <a:ea typeface="+mn-ea"/>
+        <a:cs typeface="+mn-cs"/>
+      </a:defRPr>
+    </a:lvl9pPr>
+  </p:notesStyle>
+</p:notesMaster>
+</file>
+
+<file path=ppt/notesSlides/notesSlide1.xml><?xml version="1.0" encoding="utf-8"?>
+<p:notes xmlns:a="http://schemas.openxmlformats.org/drawingml/2006/main" xmlns:r="http://schemas.openxmlformats.org/officeDocument/2006/relationships" xmlns:p="http://schemas.openxmlformats.org/presentationml/2006/main">
+  <p:cSld>
+    <p:spTree>
+      <p:nvGrpSpPr>
+        <p:cNvPr id="1" name=""/>
+        <p:cNvGrpSpPr/>
+        <p:nvPr/>
+      </p:nvGrpSpPr>
+      <p:grpSpPr>
+        <a:xfrm>
+          <a:off x="0" y="0"/>
+          <a:ext cx="0" cy="0"/>
+          <a:chOff x="0" y="0"/>
+          <a:chExt cx="0" cy="0"/>
+        </a:xfrm>
+      </p:grpSpPr>
+      <p:sp>
+        <p:nvSpPr>
+          <p:cNvPr id="2" name="Slide Image Placeholder 1"/>
+          <p:cNvSpPr>
+            <a:spLocks noGrp="1" noRot="1" noChangeAspect="1"/>
+          </p:cNvSpPr>
+          <p:nvPr>
+            <p:ph type="sldImg"/>
+          </p:nvPr>
+        </p:nvSpPr>
+        <p:spPr/>
+      </p:sp>
+      <p:sp>
+        <p:nvSpPr>
+          <p:cNvPr id="3" name="Notes Placeholder 2"/>
+          <p:cNvSpPr>
+            <a:spLocks noGrp="1"/>
+          </p:cNvSpPr>
+          <p:nvPr>
+            <p:ph type="body" idx="1"/>
+          </p:nvPr>
+        </p:nvSpPr>
+        <p:spPr/>
+        <p:txBody>
+          <a:bodyPr/>
+          <a:lstStyle/>
+          <a:p>
+            <a:endParaRPr lang="en-US" dirty="0"/>
+          </a:p>
+        </p:txBody>
+      </p:sp>
+      <p:sp>
+        <p:nvSpPr>
+          <p:cNvPr id="4" name="Slide Number Placeholder 3"/>
+          <p:cNvSpPr>
+            <a:spLocks noGrp="1"/>
+          </p:cNvSpPr>
+          <p:nvPr>
+            <p:ph type="sldNum" sz="quarter" idx="10"/>
+          </p:nvPr>
+        </p:nvSpPr>
+        <p:spPr/>
+        <p:txBody>
+          <a:bodyPr/>
+          <a:lstStyle/>
+          <a:p>
+            <a:fld id="{E3FC59BA-BD43-D546-A601-C045B6DDC9DB}" type="slidenum">
+              <a:rPr lang="en-US" smtClean="0"/>
+              <a:t>1</a:t>
+            </a:fld>
+            <a:endParaRPr lang="en-US"/>
+          </a:p>
+        </p:txBody>
+      </p:sp>
+    </p:spTree>
+    <p:extLst>
+      <p:ext uri="{BB962C8B-B14F-4D97-AF65-F5344CB8AC3E}">
+        <p14:creationId xmlns:p14="http://schemas.microsoft.com/office/powerpoint/2010/main" val="3917385675"/>
+      </p:ext>
+    </p:extLst>
+  </p:cSld>
+  <p:clrMapOvr>
+    <a:masterClrMapping/>
+  </p:clrMapOvr>
+</p:notes>
+</file>
+
+<file path=ppt/notesSlides/notesSlide2.xml><?xml version="1.0" encoding="utf-8"?>
+<p:notes xmlns:a="http://schemas.openxmlformats.org/drawingml/2006/main" xmlns:r="http://schemas.openxmlformats.org/officeDocument/2006/relationships" xmlns:p="http://schemas.openxmlformats.org/presentationml/2006/main">
+  <p:cSld>
+    <p:spTree>
+      <p:nvGrpSpPr>
+        <p:cNvPr id="1" name=""/>
+        <p:cNvGrpSpPr/>
+        <p:nvPr/>
+      </p:nvGrpSpPr>
+      <p:grpSpPr>
+        <a:xfrm>
+          <a:off x="0" y="0"/>
+          <a:ext cx="0" cy="0"/>
+          <a:chOff x="0" y="0"/>
+          <a:chExt cx="0" cy="0"/>
+        </a:xfrm>
+      </p:grpSpPr>
+      <p:sp>
+        <p:nvSpPr>
+          <p:cNvPr id="2" name="Slide Image Placeholder 1"/>
+          <p:cNvSpPr>
+            <a:spLocks noGrp="1" noRot="1" noChangeAspect="1"/>
+          </p:cNvSpPr>
+          <p:nvPr>
+            <p:ph type="sldImg"/>
+          </p:nvPr>
+        </p:nvSpPr>
+        <p:spPr/>
+      </p:sp>
+      <p:sp>
+        <p:nvSpPr>
+          <p:cNvPr id="3" name="Notes Placeholder 2"/>
+          <p:cNvSpPr>
+            <a:spLocks noGrp="1"/>
+          </p:cNvSpPr>
+          <p:nvPr>
+            <p:ph type="body" idx="1"/>
+          </p:nvPr>
+        </p:nvSpPr>
+        <p:spPr/>
+        <p:txBody>
+          <a:bodyPr/>
+          <a:lstStyle/>
+          <a:p>
+            <a:r>
+              <a:rPr lang="en-US" dirty="0"/>
+              <a:t>Prophet (Facebook)</a:t>
+            </a:r>
+          </a:p>
+          <a:p>
+            <a:r>
+              <a:rPr lang="en-US" dirty="0"/>
+              <a:t>LSTM – recurrent Neural Net Model</a:t>
+            </a:r>
+          </a:p>
+          <a:p>
+            <a:endParaRPr lang="en-US" dirty="0"/>
+          </a:p>
+          <a:p>
+            <a:r>
+              <a:rPr lang="en-US" dirty="0"/>
+              <a:t>Forecasting Industry Standards</a:t>
+            </a:r>
+          </a:p>
+          <a:p>
+            <a:r>
+              <a:rPr lang="en-US" dirty="0"/>
+              <a:t>Autoregressive (AR)</a:t>
+            </a:r>
+          </a:p>
+          <a:p>
+            <a:r>
+              <a:rPr lang="en-US" dirty="0"/>
+              <a:t>Moving Average (MA)</a:t>
+            </a:r>
+          </a:p>
+          <a:p>
+            <a:r>
+              <a:rPr lang="en-US" dirty="0"/>
+              <a:t>Autoregression Moving Average</a:t>
+            </a:r>
+          </a:p>
+          <a:p>
+            <a:endParaRPr lang="en-US" dirty="0"/>
+          </a:p>
+          <a:p>
+            <a:r>
+              <a:rPr lang="en-US" dirty="0"/>
+              <a:t>Neural Net</a:t>
+            </a:r>
+          </a:p>
+        </p:txBody>
+      </p:sp>
+      <p:sp>
+        <p:nvSpPr>
+          <p:cNvPr id="4" name="Slide Number Placeholder 3"/>
+          <p:cNvSpPr>
+            <a:spLocks noGrp="1"/>
+          </p:cNvSpPr>
+          <p:nvPr>
+            <p:ph type="sldNum" sz="quarter" idx="10"/>
+          </p:nvPr>
+        </p:nvSpPr>
+        <p:spPr/>
+        <p:txBody>
+          <a:bodyPr/>
+          <a:lstStyle/>
+          <a:p>
+            <a:fld id="{E3FC59BA-BD43-D546-A601-C045B6DDC9DB}" type="slidenum">
+              <a:rPr lang="en-US" smtClean="0"/>
+              <a:t>9</a:t>
+            </a:fld>
+            <a:endParaRPr lang="en-US"/>
+          </a:p>
+        </p:txBody>
+      </p:sp>
+    </p:spTree>
+    <p:extLst>
+      <p:ext uri="{BB962C8B-B14F-4D97-AF65-F5344CB8AC3E}">
+        <p14:creationId xmlns:p14="http://schemas.microsoft.com/office/powerpoint/2010/main" val="804658659"/>
+      </p:ext>
+    </p:extLst>
+  </p:cSld>
+  <p:clrMapOvr>
+    <a:masterClrMapping/>
+  </p:clrMapOvr>
+</p:notes>
 </file>
 
 <file path=ppt/slideLayouts/slideLayout1.xml><?xml version="1.0" encoding="utf-8"?>
@@ -3844,12 +4414,20 @@
             <p:ph type="ctrTitle"/>
           </p:nvPr>
         </p:nvSpPr>
-        <p:spPr/>
-        <p:txBody>
-          <a:bodyPr/>
+        <p:spPr>
+          <a:xfrm>
+            <a:off x="581191" y="1020431"/>
+            <a:ext cx="10993549" cy="1428129"/>
+          </a:xfrm>
+        </p:spPr>
+        <p:txBody>
+          <a:bodyPr anchor="b"/>
           <a:lstStyle/>
           <a:p>
-            <a:endParaRPr lang="en-US" dirty="0"/>
+            <a:r>
+              <a:rPr lang="en-US" dirty="0"/>
+              <a:t>Commodity Price Forecasting</a:t>
+            </a:r>
           </a:p>
         </p:txBody>
       </p:sp>
@@ -3869,12 +4447,65 @@
             <p:ph type="subTitle" idx="1"/>
           </p:nvPr>
         </p:nvSpPr>
-        <p:spPr/>
-        <p:txBody>
-          <a:bodyPr/>
+        <p:spPr>
+          <a:xfrm>
+            <a:off x="581191" y="5100320"/>
+            <a:ext cx="10993546" cy="1236647"/>
+          </a:xfrm>
+        </p:spPr>
+        <p:txBody>
+          <a:bodyPr>
+            <a:normAutofit fontScale="92500" lnSpcReduction="20000"/>
+          </a:bodyPr>
           <a:lstStyle/>
           <a:p>
-            <a:endParaRPr lang="en-US" dirty="0"/>
+            <a:pPr algn="ctr"/>
+            <a:r>
+              <a:rPr lang="en-US" dirty="0">
+                <a:solidFill>
+                  <a:schemeClr val="bg1"/>
+                </a:solidFill>
+              </a:rPr>
+              <a:t>MLND Connect Feb ’18</a:t>
+            </a:r>
+          </a:p>
+          <a:p>
+            <a:pPr algn="ctr"/>
+            <a:endParaRPr lang="en-US" dirty="0">
+              <a:solidFill>
+                <a:schemeClr val="bg1"/>
+              </a:solidFill>
+            </a:endParaRPr>
+          </a:p>
+          <a:p>
+            <a:pPr algn="ctr"/>
+            <a:r>
+              <a:rPr lang="en-US" dirty="0" err="1">
+                <a:solidFill>
+                  <a:schemeClr val="bg1"/>
+                </a:solidFill>
+              </a:rPr>
+              <a:t>Vibhav</a:t>
+            </a:r>
+            <a:r>
+              <a:rPr lang="en-US" dirty="0">
+                <a:solidFill>
+                  <a:schemeClr val="bg1"/>
+                </a:solidFill>
+              </a:rPr>
+              <a:t> Lal</a:t>
+            </a:r>
+          </a:p>
+          <a:p>
+            <a:pPr algn="ctr"/>
+            <a:r>
+              <a:rPr lang="en-US" dirty="0">
+                <a:solidFill>
+                  <a:schemeClr val="bg1"/>
+                </a:solidFill>
+              </a:rPr>
+              <a:t>June 2, 2018</a:t>
+            </a:r>
           </a:p>
         </p:txBody>
       </p:sp>
@@ -3913,7 +4544,7 @@
           <p:cNvPr id="2" name="Title 1">
             <a:extLst>
               <a:ext uri="{FF2B5EF4-FFF2-40B4-BE49-F238E27FC236}">
-                <a16:creationId xmlns:a16="http://schemas.microsoft.com/office/drawing/2014/main" id="{768128FE-A34B-E948-93B5-E3CB24B58E5B}"/>
+                <a16:creationId xmlns:a16="http://schemas.microsoft.com/office/drawing/2014/main" id="{B1CC8D27-428A-6849-9C55-FBC99504FD19}"/>
               </a:ext>
             </a:extLst>
           </p:cNvPr>
@@ -3931,7 +4562,7 @@
           <a:p>
             <a:r>
               <a:rPr lang="en-US" dirty="0"/>
-              <a:t>Agenda</a:t>
+              <a:t>Domain Background &amp; Scope</a:t>
             </a:r>
           </a:p>
         </p:txBody>
@@ -3941,7 +4572,7 @@
           <p:cNvPr id="3" name="Content Placeholder 2">
             <a:extLst>
               <a:ext uri="{FF2B5EF4-FFF2-40B4-BE49-F238E27FC236}">
-                <a16:creationId xmlns:a16="http://schemas.microsoft.com/office/drawing/2014/main" id="{F9E45D3F-4233-5445-BC99-245440F4DD27}"/>
+                <a16:creationId xmlns:a16="http://schemas.microsoft.com/office/drawing/2014/main" id="{B21549B5-2B2C-DC41-99E8-F6C42290751E}"/>
               </a:ext>
             </a:extLst>
           </p:cNvPr>
@@ -3954,42 +4585,38 @@
         </p:nvSpPr>
         <p:spPr/>
         <p:txBody>
-          <a:bodyPr/>
+          <a:bodyPr>
+            <a:normAutofit/>
+          </a:bodyPr>
           <a:lstStyle/>
           <a:p>
             <a:r>
               <a:rPr lang="en-US" dirty="0"/>
-              <a:t>Background</a:t>
-            </a:r>
-          </a:p>
-          <a:p>
-            <a:r>
-              <a:rPr lang="en-US" dirty="0"/>
-              <a:t>Problem Statement</a:t>
-            </a:r>
-          </a:p>
-          <a:p>
-            <a:r>
-              <a:rPr lang="en-US" dirty="0"/>
-              <a:t>Dataset</a:t>
-            </a:r>
-          </a:p>
-          <a:p>
-            <a:r>
-              <a:rPr lang="en-US" dirty="0"/>
-              <a:t>Evaluation Metrics</a:t>
-            </a:r>
-          </a:p>
-          <a:p>
-            <a:r>
-              <a:rPr lang="en-US" dirty="0"/>
-              <a:t>Benchmark Model</a:t>
-            </a:r>
-          </a:p>
-          <a:p>
-            <a:r>
-              <a:rPr lang="en-US" dirty="0"/>
-              <a:t>Proposed Solution</a:t>
+              <a:t>Commodity is one of the largest traded (by volume) commodity Internationally as well as domestic.</a:t>
+            </a:r>
+          </a:p>
+          <a:p>
+            <a:r>
+              <a:rPr lang="en-US" dirty="0"/>
+              <a:t>Commodity markets are highly fragmented pricing.</a:t>
+            </a:r>
+          </a:p>
+          <a:p>
+            <a:r>
+              <a:rPr lang="en-US" dirty="0"/>
+              <a:t>No standard price, which is why there is no exchange for this product. </a:t>
+            </a:r>
+          </a:p>
+          <a:p>
+            <a:r>
+              <a:rPr lang="en-US" dirty="0"/>
+              <a:t>No set price for any product, production cost differs from producer to producer. </a:t>
+            </a:r>
+          </a:p>
+          <a:p>
+            <a:r>
+              <a:rPr lang="en-US" dirty="0"/>
+              <a:t>Multitude of categories of products/items/sizes/grades within the categories with substantial price differences.</a:t>
             </a:r>
           </a:p>
         </p:txBody>
@@ -3997,7 +4624,7 @@
     </p:spTree>
     <p:extLst>
       <p:ext uri="{BB962C8B-B14F-4D97-AF65-F5344CB8AC3E}">
-        <p14:creationId xmlns:p14="http://schemas.microsoft.com/office/powerpoint/2010/main" val="884211088"/>
+        <p14:creationId xmlns:p14="http://schemas.microsoft.com/office/powerpoint/2010/main" val="1757884603"/>
       </p:ext>
     </p:extLst>
   </p:cSld>
@@ -4029,7 +4656,7 @@
           <p:cNvPr id="2" name="Title 1">
             <a:extLst>
               <a:ext uri="{FF2B5EF4-FFF2-40B4-BE49-F238E27FC236}">
-                <a16:creationId xmlns:a16="http://schemas.microsoft.com/office/drawing/2014/main" id="{4828B6F2-1673-254E-A992-F188E2070B4B}"/>
+                <a16:creationId xmlns:a16="http://schemas.microsoft.com/office/drawing/2014/main" id="{B1CC8D27-428A-6849-9C55-FBC99504FD19}"/>
               </a:ext>
             </a:extLst>
           </p:cNvPr>
@@ -4047,7 +4674,7 @@
           <a:p>
             <a:r>
               <a:rPr lang="en-US" dirty="0"/>
-              <a:t>Background</a:t>
+              <a:t>Problem Statement</a:t>
             </a:r>
           </a:p>
         </p:txBody>
@@ -4057,7 +4684,7 @@
           <p:cNvPr id="3" name="Content Placeholder 2">
             <a:extLst>
               <a:ext uri="{FF2B5EF4-FFF2-40B4-BE49-F238E27FC236}">
-                <a16:creationId xmlns:a16="http://schemas.microsoft.com/office/drawing/2014/main" id="{C48E8FAC-E09F-174D-AAA0-82D01EED1723}"/>
+                <a16:creationId xmlns:a16="http://schemas.microsoft.com/office/drawing/2014/main" id="{B21549B5-2B2C-DC41-99E8-F6C42290751E}"/>
               </a:ext>
             </a:extLst>
           </p:cNvPr>
@@ -4070,8 +4697,52 @@
         </p:nvSpPr>
         <p:spPr/>
         <p:txBody>
-          <a:bodyPr/>
+          <a:bodyPr>
+            <a:normAutofit/>
+          </a:bodyPr>
           <a:lstStyle/>
+          <a:p>
+            <a:r>
+              <a:rPr lang="en-US" dirty="0"/>
+              <a:t>Use Machine Learning concepts to predict pricing fluctuations for a particular commodity item</a:t>
+            </a:r>
+          </a:p>
+          <a:p>
+            <a:r>
+              <a:rPr lang="en-US" dirty="0"/>
+              <a:t>Determine significant correlations between various features effecting the commodity pricing.</a:t>
+            </a:r>
+          </a:p>
+          <a:p>
+            <a:r>
+              <a:rPr lang="en-US" dirty="0"/>
+              <a:t>Implement an interactive commodity price forecasting mechanism classifying them under the following categories:</a:t>
+            </a:r>
+          </a:p>
+          <a:p>
+            <a:pPr lvl="1"/>
+            <a:r>
+              <a:rPr lang="en-US" dirty="0"/>
+              <a:t>Specific product</a:t>
+            </a:r>
+          </a:p>
+          <a:p>
+            <a:pPr lvl="1"/>
+            <a:r>
+              <a:rPr lang="en-US" dirty="0"/>
+              <a:t>Specific region</a:t>
+            </a:r>
+          </a:p>
+          <a:p>
+            <a:pPr lvl="1"/>
+            <a:r>
+              <a:rPr lang="en-US" dirty="0"/>
+              <a:t>Time range</a:t>
+            </a:r>
+          </a:p>
+          <a:p>
+            <a:endParaRPr lang="en-US" dirty="0"/>
+          </a:p>
           <a:p>
             <a:endParaRPr lang="en-US" dirty="0"/>
           </a:p>
@@ -4080,7 +4751,7 @@
     </p:spTree>
     <p:extLst>
       <p:ext uri="{BB962C8B-B14F-4D97-AF65-F5344CB8AC3E}">
-        <p14:creationId xmlns:p14="http://schemas.microsoft.com/office/powerpoint/2010/main" val="234260891"/>
+        <p14:creationId xmlns:p14="http://schemas.microsoft.com/office/powerpoint/2010/main" val="3200068912"/>
       </p:ext>
     </p:extLst>
   </p:cSld>
@@ -4112,7 +4783,7 @@
           <p:cNvPr id="2" name="Title 1">
             <a:extLst>
               <a:ext uri="{FF2B5EF4-FFF2-40B4-BE49-F238E27FC236}">
-                <a16:creationId xmlns:a16="http://schemas.microsoft.com/office/drawing/2014/main" id="{B1CC8D27-428A-6849-9C55-FBC99504FD19}"/>
+                <a16:creationId xmlns:a16="http://schemas.microsoft.com/office/drawing/2014/main" id="{C35E3582-075C-B74E-BF90-C996958E7A47}"/>
               </a:ext>
             </a:extLst>
           </p:cNvPr>
@@ -4130,7 +4801,7 @@
           <a:p>
             <a:r>
               <a:rPr lang="en-US" dirty="0"/>
-              <a:t>Problem Statement</a:t>
+              <a:t>Challenges with Commodities</a:t>
             </a:r>
           </a:p>
         </p:txBody>
@@ -4140,7 +4811,7 @@
           <p:cNvPr id="3" name="Content Placeholder 2">
             <a:extLst>
               <a:ext uri="{FF2B5EF4-FFF2-40B4-BE49-F238E27FC236}">
-                <a16:creationId xmlns:a16="http://schemas.microsoft.com/office/drawing/2014/main" id="{B21549B5-2B2C-DC41-99E8-F6C42290751E}"/>
+                <a16:creationId xmlns:a16="http://schemas.microsoft.com/office/drawing/2014/main" id="{EDDD3585-1A69-B14F-A272-7A92F2A02AD9}"/>
               </a:ext>
             </a:extLst>
           </p:cNvPr>
@@ -4153,44 +4824,61 @@
         </p:nvSpPr>
         <p:spPr/>
         <p:txBody>
-          <a:bodyPr/>
+          <a:bodyPr>
+            <a:normAutofit/>
+          </a:bodyPr>
           <a:lstStyle/>
           <a:p>
-            <a:r>
-              <a:rPr lang="en-US" dirty="0"/>
-              <a:t>An interactive price forecasting mechanism which addresses:</a:t>
-            </a:r>
-          </a:p>
-          <a:p>
-            <a:pPr lvl="1"/>
-            <a:r>
-              <a:rPr lang="en-US" dirty="0"/>
-              <a:t>Specific product category</a:t>
-            </a:r>
-          </a:p>
-          <a:p>
-            <a:pPr lvl="1"/>
-            <a:r>
-              <a:rPr lang="en-US" dirty="0"/>
-              <a:t>Specific region</a:t>
-            </a:r>
-          </a:p>
-          <a:p>
-            <a:pPr lvl="1"/>
-            <a:r>
-              <a:rPr lang="en-US" dirty="0"/>
-              <a:t>Time range</a:t>
-            </a:r>
-          </a:p>
-          <a:p>
-            <a:endParaRPr lang="en-US" dirty="0"/>
+            <a:pPr marL="0" indent="0">
+              <a:buNone/>
+            </a:pPr>
+            <a:r>
+              <a:rPr lang="en-US" dirty="0"/>
+              <a:t> </a:t>
+            </a:r>
+          </a:p>
+          <a:p>
+            <a:r>
+              <a:rPr lang="en-US" dirty="0"/>
+              <a:t>Very fragmented buying-selling process – in the form of brokers, agents, traders, consumers, stock-holders, producers.</a:t>
+            </a:r>
+          </a:p>
+          <a:p>
+            <a:r>
+              <a:rPr lang="en-US" dirty="0"/>
+              <a:t>Unorganized and unregulated – no need for any special license or membership is required.</a:t>
+            </a:r>
+          </a:p>
+          <a:p>
+            <a:r>
+              <a:rPr lang="en-US" dirty="0"/>
+              <a:t>Buying methods are still very old-fashioned.</a:t>
+            </a:r>
+          </a:p>
+          <a:p>
+            <a:r>
+              <a:rPr lang="en-US" dirty="0"/>
+              <a:t>Highly relationship based.</a:t>
+            </a:r>
+          </a:p>
+          <a:p>
+            <a:r>
+              <a:rPr lang="en-US" dirty="0"/>
+              <a:t>Price intelligence – mostly through verbal communication.</a:t>
+            </a:r>
+          </a:p>
+          <a:p>
+            <a:r>
+              <a:rPr lang="en-US" dirty="0"/>
+              <a:t>Published journals give historical prices and informal projections but no specific price predictions.</a:t>
+            </a:r>
           </a:p>
         </p:txBody>
       </p:sp>
     </p:spTree>
     <p:extLst>
       <p:ext uri="{BB962C8B-B14F-4D97-AF65-F5344CB8AC3E}">
-        <p14:creationId xmlns:p14="http://schemas.microsoft.com/office/powerpoint/2010/main" val="3200068912"/>
+        <p14:creationId xmlns:p14="http://schemas.microsoft.com/office/powerpoint/2010/main" val="377505076"/>
       </p:ext>
     </p:extLst>
   </p:cSld>
@@ -4222,7 +4910,7 @@
           <p:cNvPr id="2" name="Title 1">
             <a:extLst>
               <a:ext uri="{FF2B5EF4-FFF2-40B4-BE49-F238E27FC236}">
-                <a16:creationId xmlns:a16="http://schemas.microsoft.com/office/drawing/2014/main" id="{C35E3582-075C-B74E-BF90-C996958E7A47}"/>
+                <a16:creationId xmlns:a16="http://schemas.microsoft.com/office/drawing/2014/main" id="{4828B6F2-1673-254E-A992-F188E2070B4B}"/>
               </a:ext>
             </a:extLst>
           </p:cNvPr>
@@ -4240,7 +4928,7 @@
           <a:p>
             <a:r>
               <a:rPr lang="en-US" dirty="0"/>
-              <a:t>Characteristics of Commodities</a:t>
+              <a:t>Features Considered</a:t>
             </a:r>
           </a:p>
         </p:txBody>
@@ -4250,7 +4938,7 @@
           <p:cNvPr id="3" name="Content Placeholder 2">
             <a:extLst>
               <a:ext uri="{FF2B5EF4-FFF2-40B4-BE49-F238E27FC236}">
-                <a16:creationId xmlns:a16="http://schemas.microsoft.com/office/drawing/2014/main" id="{EDDD3585-1A69-B14F-A272-7A92F2A02AD9}"/>
+                <a16:creationId xmlns:a16="http://schemas.microsoft.com/office/drawing/2014/main" id="{C48E8FAC-E09F-174D-AAA0-82D01EED1723}"/>
               </a:ext>
             </a:extLst>
           </p:cNvPr>
@@ -4258,103 +4946,166 @@
             <a:spLocks noGrp="1"/>
           </p:cNvSpPr>
           <p:nvPr>
-            <p:ph idx="1"/>
+            <p:ph sz="half" idx="1"/>
           </p:nvPr>
         </p:nvSpPr>
         <p:spPr/>
         <p:txBody>
           <a:bodyPr>
-            <a:normAutofit fontScale="55000" lnSpcReduction="20000"/>
+            <a:normAutofit/>
           </a:bodyPr>
           <a:lstStyle/>
           <a:p>
             <a:r>
-              <a:rPr lang="en-US" dirty="0"/>
-              <a:t>One of the largest traded commodity Internationally as well as domestic.</a:t>
-            </a:r>
-          </a:p>
-          <a:p>
-            <a:r>
-              <a:rPr lang="en-US" dirty="0"/>
-              <a:t>Unlike other heavily traded commodities which are usually in bulk quantities (vessel loads), steel trading is rather evenly spread in container-load to full vessel quantities. </a:t>
-            </a:r>
-          </a:p>
-          <a:p>
-            <a:r>
-              <a:rPr lang="en-US" dirty="0"/>
-              <a:t>Multitude of categories of products/items/sizes/grades within the categories with substantial price differences.</a:t>
-            </a:r>
-          </a:p>
-          <a:p>
-            <a:r>
-              <a:rPr lang="en-US" dirty="0"/>
-              <a:t>Heavy items – cannot move easily.</a:t>
-            </a:r>
-          </a:p>
-          <a:p>
-            <a:r>
-              <a:rPr lang="en-US" dirty="0"/>
-              <a:t>Long exposure to the natural elements deteriorates quality.</a:t>
-            </a:r>
-          </a:p>
-          <a:p>
-            <a:r>
-              <a:rPr lang="en-US" dirty="0"/>
-              <a:t>Large number of people involved in buying-selling process – in the form of brokers, agents, traders, consumers, stock-holders, producers.</a:t>
-            </a:r>
-          </a:p>
-          <a:p>
-            <a:r>
-              <a:rPr lang="en-US" dirty="0"/>
-              <a:t>Very fragmented with diverse ownership.</a:t>
-            </a:r>
-          </a:p>
-          <a:p>
-            <a:r>
-              <a:rPr lang="en-US" dirty="0"/>
-              <a:t>Unorganized and unregulated – no need for any special license or membership is required.</a:t>
-            </a:r>
-          </a:p>
-          <a:p>
-            <a:r>
-              <a:rPr lang="en-US" dirty="0"/>
-              <a:t>Ownership of people involved in business: Companies, small/medium-partnerships, family-owned, &amp; individuals.</a:t>
-            </a:r>
-          </a:p>
-          <a:p>
-            <a:r>
-              <a:rPr lang="en-US" dirty="0"/>
-              <a:t>Change of product ownership from producer to consumer in most cases, especially in international transactions.</a:t>
-            </a:r>
-          </a:p>
-          <a:p>
-            <a:r>
-              <a:rPr lang="en-US" dirty="0"/>
-              <a:t>Buying methods are still very old-fashioned – ask prices from various sources and then decide</a:t>
-            </a:r>
-          </a:p>
-          <a:p>
-            <a:r>
-              <a:rPr lang="en-US" dirty="0"/>
-              <a:t>Highly relationship based.</a:t>
-            </a:r>
-          </a:p>
-          <a:p>
-            <a:r>
-              <a:rPr lang="en-US" dirty="0"/>
-              <a:t>Price intelligence – mostly through verbal communication.</a:t>
-            </a:r>
-          </a:p>
-          <a:p>
-            <a:r>
-              <a:rPr lang="en-US" dirty="0"/>
-              <a:t>Published journals give historical prices and informal projections but no specific price predictions.</a:t>
-            </a:r>
-          </a:p>
-          <a:p>
-            <a:r>
-              <a:rPr lang="en-US" dirty="0"/>
-              <a:t>Highly fragmented pricing – no standard price, which is why there is no exchange for this product, being traded at such high volumes globally. NO SET PRICE for any product, production cost differs from producer to producer. </a:t>
+              <a:rPr lang="en-US" b="1" dirty="0"/>
+              <a:t>Factors influencing Commodity prices:</a:t>
+            </a:r>
+            <a:endParaRPr lang="en-US" dirty="0"/>
+          </a:p>
+          <a:p>
+            <a:pPr lvl="1"/>
+            <a:r>
+              <a:rPr lang="en-US" dirty="0"/>
+              <a:t>Production/availability/demand</a:t>
+            </a:r>
+          </a:p>
+          <a:p>
+            <a:pPr lvl="1"/>
+            <a:r>
+              <a:rPr lang="en-US" dirty="0"/>
+              <a:t>Imports</a:t>
+            </a:r>
+          </a:p>
+          <a:p>
+            <a:pPr lvl="1"/>
+            <a:r>
+              <a:rPr lang="en-US" dirty="0"/>
+              <a:t>Exports</a:t>
+            </a:r>
+          </a:p>
+          <a:p>
+            <a:pPr lvl="1"/>
+            <a:r>
+              <a:rPr lang="en-US" dirty="0"/>
+              <a:t>Iron pricing</a:t>
+            </a:r>
+          </a:p>
+          <a:p>
+            <a:pPr lvl="1"/>
+            <a:r>
+              <a:rPr lang="en-US" dirty="0"/>
+              <a:t>Coal pricing</a:t>
+            </a:r>
+          </a:p>
+          <a:p>
+            <a:pPr lvl="1"/>
+            <a:r>
+              <a:rPr lang="en-US" dirty="0"/>
+              <a:t>Petroleum prices</a:t>
+            </a:r>
+          </a:p>
+          <a:p>
+            <a:pPr lvl="1"/>
+            <a:r>
+              <a:rPr lang="en-US" dirty="0"/>
+              <a:t>Construction</a:t>
+            </a:r>
+          </a:p>
+          <a:p>
+            <a:pPr lvl="1"/>
+            <a:r>
+              <a:rPr lang="en-US" dirty="0"/>
+              <a:t>Infrastructure projects</a:t>
+            </a:r>
+          </a:p>
+          <a:p>
+            <a:endParaRPr lang="en-US" dirty="0"/>
+          </a:p>
+        </p:txBody>
+      </p:sp>
+      <p:sp>
+        <p:nvSpPr>
+          <p:cNvPr id="4" name="Content Placeholder 3">
+            <a:extLst>
+              <a:ext uri="{FF2B5EF4-FFF2-40B4-BE49-F238E27FC236}">
+                <a16:creationId xmlns:a16="http://schemas.microsoft.com/office/drawing/2014/main" id="{914E235A-7905-414B-A9CE-AFD17E61FA32}"/>
+              </a:ext>
+            </a:extLst>
+          </p:cNvPr>
+          <p:cNvSpPr>
+            <a:spLocks noGrp="1"/>
+          </p:cNvSpPr>
+          <p:nvPr>
+            <p:ph sz="half" idx="2"/>
+          </p:nvPr>
+        </p:nvSpPr>
+        <p:spPr/>
+        <p:txBody>
+          <a:bodyPr>
+            <a:normAutofit/>
+          </a:bodyPr>
+          <a:lstStyle/>
+          <a:p>
+            <a:pPr lvl="1"/>
+            <a:r>
+              <a:rPr lang="en-US" dirty="0"/>
+              <a:t>Bank financing</a:t>
+            </a:r>
+          </a:p>
+          <a:p>
+            <a:pPr lvl="1"/>
+            <a:r>
+              <a:rPr lang="en-US" dirty="0"/>
+              <a:t>Interest rates</a:t>
+            </a:r>
+          </a:p>
+          <a:p>
+            <a:pPr lvl="1"/>
+            <a:r>
+              <a:rPr lang="en-US" dirty="0"/>
+              <a:t>Currency fluctuations</a:t>
+            </a:r>
+          </a:p>
+          <a:p>
+            <a:pPr lvl="1"/>
+            <a:r>
+              <a:rPr lang="en-US" dirty="0"/>
+              <a:t>Government policies</a:t>
+            </a:r>
+          </a:p>
+          <a:p>
+            <a:pPr lvl="1"/>
+            <a:r>
+              <a:rPr lang="en-US" dirty="0"/>
+              <a:t>Weather conditions</a:t>
+            </a:r>
+          </a:p>
+          <a:p>
+            <a:pPr lvl="1"/>
+            <a:r>
+              <a:rPr lang="en-US" dirty="0"/>
+              <a:t>Labor market and policies</a:t>
+            </a:r>
+          </a:p>
+          <a:p>
+            <a:pPr lvl="1"/>
+            <a:r>
+              <a:rPr lang="en-US" dirty="0"/>
+              <a:t>Ocean freight</a:t>
+            </a:r>
+          </a:p>
+          <a:p>
+            <a:pPr lvl="1"/>
+            <a:r>
+              <a:rPr lang="en-US" dirty="0"/>
+              <a:t>Logistics</a:t>
+            </a:r>
+          </a:p>
+          <a:p>
+            <a:pPr lvl="1"/>
+            <a:r>
+              <a:rPr lang="en-US" dirty="0"/>
+              <a:t>Seasonality</a:t>
             </a:r>
           </a:p>
         </p:txBody>
@@ -4362,7 +5113,7 @@
     </p:spTree>
     <p:extLst>
       <p:ext uri="{BB962C8B-B14F-4D97-AF65-F5344CB8AC3E}">
-        <p14:creationId xmlns:p14="http://schemas.microsoft.com/office/powerpoint/2010/main" val="377505076"/>
+        <p14:creationId xmlns:p14="http://schemas.microsoft.com/office/powerpoint/2010/main" val="234260891"/>
       </p:ext>
     </p:extLst>
   </p:cSld>
@@ -4412,7 +5163,7 @@
           <a:p>
             <a:r>
               <a:rPr lang="en-US" dirty="0"/>
-              <a:t>Dataset</a:t>
+              <a:t>Datasets and Inputs</a:t>
             </a:r>
           </a:p>
         </p:txBody>
@@ -4438,7 +5189,72 @@
           <a:bodyPr/>
           <a:lstStyle/>
           <a:p>
-            <a:endParaRPr lang="en-US"/>
+            <a:r>
+              <a:rPr lang="en-US" b="1" dirty="0"/>
+              <a:t>Data Sources:</a:t>
+            </a:r>
+            <a:endParaRPr lang="en-US" dirty="0"/>
+          </a:p>
+          <a:p>
+            <a:pPr lvl="1"/>
+            <a:r>
+              <a:rPr lang="en-US" dirty="0"/>
+              <a:t>Industry journals</a:t>
+            </a:r>
+          </a:p>
+          <a:p>
+            <a:pPr lvl="1"/>
+            <a:r>
+              <a:rPr lang="en-US" dirty="0"/>
+              <a:t>IMF Primary Commodity Prices</a:t>
+            </a:r>
+          </a:p>
+          <a:p>
+            <a:pPr lvl="1"/>
+            <a:r>
+              <a:rPr lang="en-US" dirty="0"/>
+              <a:t>Department of Commerce – Data catalog (</a:t>
+            </a:r>
+            <a:r>
+              <a:rPr lang="en-US" dirty="0" err="1"/>
+              <a:t>data.gov</a:t>
+            </a:r>
+            <a:r>
+              <a:rPr lang="en-US" dirty="0"/>
+              <a:t>)</a:t>
+            </a:r>
+          </a:p>
+          <a:p>
+            <a:pPr lvl="1"/>
+            <a:r>
+              <a:rPr lang="en-US" dirty="0"/>
+              <a:t>Trade sources (informal)</a:t>
+            </a:r>
+          </a:p>
+          <a:p>
+            <a:pPr lvl="1"/>
+            <a:r>
+              <a:rPr lang="en-US" dirty="0"/>
+              <a:t>Import/export data from Customs</a:t>
+            </a:r>
+          </a:p>
+          <a:p>
+            <a:pPr lvl="1"/>
+            <a:r>
+              <a:rPr lang="en-US" dirty="0"/>
+              <a:t>Historical Commodity Prices (</a:t>
+            </a:r>
+            <a:r>
+              <a:rPr lang="en-US" dirty="0" err="1"/>
+              <a:t>datahub.io</a:t>
+            </a:r>
+            <a:r>
+              <a:rPr lang="en-US" dirty="0"/>
+              <a:t>/dataset/commodity-prices)</a:t>
+            </a:r>
+          </a:p>
+          <a:p>
+            <a:endParaRPr lang="en-US" dirty="0"/>
           </a:p>
         </p:txBody>
       </p:sp>
@@ -4477,7 +5293,7 @@
           <p:cNvPr id="2" name="Title 1">
             <a:extLst>
               <a:ext uri="{FF2B5EF4-FFF2-40B4-BE49-F238E27FC236}">
-                <a16:creationId xmlns:a16="http://schemas.microsoft.com/office/drawing/2014/main" id="{2067D1BF-D044-B647-929D-607870F4039F}"/>
+                <a16:creationId xmlns:a16="http://schemas.microsoft.com/office/drawing/2014/main" id="{787B042A-17CE-ED43-AA1F-C9D68FF72780}"/>
               </a:ext>
             </a:extLst>
           </p:cNvPr>
@@ -4495,7 +5311,7 @@
           <a:p>
             <a:r>
               <a:rPr lang="en-US" dirty="0"/>
-              <a:t>Evaluation Metrics</a:t>
+              <a:t>Proposed Solution</a:t>
             </a:r>
           </a:p>
         </p:txBody>
@@ -4505,7 +5321,7 @@
           <p:cNvPr id="3" name="Content Placeholder 2">
             <a:extLst>
               <a:ext uri="{FF2B5EF4-FFF2-40B4-BE49-F238E27FC236}">
-                <a16:creationId xmlns:a16="http://schemas.microsoft.com/office/drawing/2014/main" id="{0815954D-8330-214D-BC12-36A19FAC39FC}"/>
+                <a16:creationId xmlns:a16="http://schemas.microsoft.com/office/drawing/2014/main" id="{1200E321-CE39-F843-9F76-372B212E435A}"/>
               </a:ext>
             </a:extLst>
           </p:cNvPr>
@@ -4518,17 +5334,49 @@
         </p:nvSpPr>
         <p:spPr/>
         <p:txBody>
-          <a:bodyPr/>
+          <a:bodyPr>
+            <a:normAutofit/>
+          </a:bodyPr>
           <a:lstStyle/>
           <a:p>
-            <a:endParaRPr lang="en-US"/>
+            <a:r>
+              <a:rPr lang="en-US" dirty="0"/>
+              <a:t>Determine correlation between various variables in order to predict a pricing trend of the commodity.</a:t>
+            </a:r>
+          </a:p>
+          <a:p>
+            <a:r>
+              <a:rPr lang="en-US" dirty="0"/>
+              <a:t>Use the correlation matrix and Time Series Forecasting to achieve a high accuracy on the commodity pricing in the following categories:</a:t>
+            </a:r>
+          </a:p>
+          <a:p>
+            <a:pPr lvl="1"/>
+            <a:r>
+              <a:rPr lang="en-US" dirty="0"/>
+              <a:t>Time range</a:t>
+            </a:r>
+          </a:p>
+          <a:p>
+            <a:pPr lvl="1"/>
+            <a:r>
+              <a:rPr lang="en-US" dirty="0"/>
+              <a:t>Region specific</a:t>
+            </a:r>
+          </a:p>
+          <a:p>
+            <a:pPr lvl="1"/>
+            <a:r>
+              <a:rPr lang="en-US" dirty="0"/>
+              <a:t>Product category</a:t>
+            </a:r>
           </a:p>
         </p:txBody>
       </p:sp>
     </p:spTree>
     <p:extLst>
       <p:ext uri="{BB962C8B-B14F-4D97-AF65-F5344CB8AC3E}">
-        <p14:creationId xmlns:p14="http://schemas.microsoft.com/office/powerpoint/2010/main" val="775231820"/>
+        <p14:creationId xmlns:p14="http://schemas.microsoft.com/office/powerpoint/2010/main" val="4204799982"/>
       </p:ext>
     </p:extLst>
   </p:cSld>
@@ -4578,7 +5426,7 @@
           <a:p>
             <a:r>
               <a:rPr lang="en-US" dirty="0"/>
-              <a:t>Benchmark Model</a:t>
+              <a:t>Benchmark Model &amp; Evaluation Metrics</a:t>
             </a:r>
           </a:p>
         </p:txBody>
@@ -4604,7 +5452,31 @@
           <a:bodyPr/>
           <a:lstStyle/>
           <a:p>
-            <a:endParaRPr lang="en-US"/>
+            <a:r>
+              <a:rPr lang="en-US" dirty="0"/>
+              <a:t>Correlations generated results will be compared against historical data</a:t>
+            </a:r>
+          </a:p>
+          <a:p>
+            <a:r>
+              <a:rPr lang="en-US" dirty="0"/>
+              <a:t>Achieve high accuracy of the predicted prices compared of historical data</a:t>
+            </a:r>
+          </a:p>
+          <a:p>
+            <a:r>
+              <a:rPr lang="en-US" dirty="0"/>
+              <a:t>Evaluation metrics would be based on RMS (Root Mean Square)</a:t>
+            </a:r>
+          </a:p>
+          <a:p>
+            <a:r>
+              <a:rPr lang="en-US" dirty="0"/>
+              <a:t>Attempt to predict pricing slightly better than London Metal Exchange </a:t>
+            </a:r>
+          </a:p>
+          <a:p>
+            <a:endParaRPr lang="en-US" dirty="0"/>
           </a:p>
         </p:txBody>
       </p:sp>
@@ -4643,7 +5515,7 @@
           <p:cNvPr id="2" name="Title 1">
             <a:extLst>
               <a:ext uri="{FF2B5EF4-FFF2-40B4-BE49-F238E27FC236}">
-                <a16:creationId xmlns:a16="http://schemas.microsoft.com/office/drawing/2014/main" id="{787B042A-17CE-ED43-AA1F-C9D68FF72780}"/>
+                <a16:creationId xmlns:a16="http://schemas.microsoft.com/office/drawing/2014/main" id="{2067D1BF-D044-B647-929D-607870F4039F}"/>
               </a:ext>
             </a:extLst>
           </p:cNvPr>
@@ -4661,7 +5533,7 @@
           <a:p>
             <a:r>
               <a:rPr lang="en-US" dirty="0"/>
-              <a:t>Proposed Solution</a:t>
+              <a:t>Project Design</a:t>
             </a:r>
           </a:p>
         </p:txBody>
@@ -4671,7 +5543,7 @@
           <p:cNvPr id="3" name="Content Placeholder 2">
             <a:extLst>
               <a:ext uri="{FF2B5EF4-FFF2-40B4-BE49-F238E27FC236}">
-                <a16:creationId xmlns:a16="http://schemas.microsoft.com/office/drawing/2014/main" id="{1200E321-CE39-F843-9F76-372B212E435A}"/>
+                <a16:creationId xmlns:a16="http://schemas.microsoft.com/office/drawing/2014/main" id="{0815954D-8330-214D-BC12-36A19FAC39FC}"/>
               </a:ext>
             </a:extLst>
           </p:cNvPr>
@@ -4684,17 +5556,117 @@
         </p:nvSpPr>
         <p:spPr/>
         <p:txBody>
-          <a:bodyPr/>
+          <a:bodyPr>
+            <a:normAutofit fontScale="85000" lnSpcReduction="20000"/>
+          </a:bodyPr>
           <a:lstStyle/>
           <a:p>
-            <a:endParaRPr lang="en-US"/>
+            <a:r>
+              <a:rPr lang="en-US" dirty="0"/>
+              <a:t>Importing and preprocessing the data</a:t>
+            </a:r>
+          </a:p>
+          <a:p>
+            <a:pPr lvl="1"/>
+            <a:r>
+              <a:rPr lang="en-US" dirty="0"/>
+              <a:t>Merge several dataset for a particular commodity from different sources</a:t>
+            </a:r>
+          </a:p>
+          <a:p>
+            <a:pPr lvl="1"/>
+            <a:r>
+              <a:rPr lang="en-US" dirty="0"/>
+              <a:t>Commodity monthly dataset is available from 1980-2017</a:t>
+            </a:r>
+          </a:p>
+          <a:p>
+            <a:r>
+              <a:rPr lang="en-US" dirty="0"/>
+              <a:t>Preparing training and test data</a:t>
+            </a:r>
+          </a:p>
+          <a:p>
+            <a:pPr lvl="1"/>
+            <a:r>
+              <a:rPr lang="en-US" dirty="0"/>
+              <a:t>Training &amp; testing data split chronologically 80:20</a:t>
+            </a:r>
+          </a:p>
+          <a:p>
+            <a:r>
+              <a:rPr lang="en-US" dirty="0"/>
+              <a:t>Data scaling</a:t>
+            </a:r>
+          </a:p>
+          <a:p>
+            <a:pPr lvl="1"/>
+            <a:r>
+              <a:rPr lang="en-US" dirty="0"/>
+              <a:t>Scaling in Python using </a:t>
+            </a:r>
+            <a:r>
+              <a:rPr lang="en-US" dirty="0" err="1"/>
+              <a:t>sklearn</a:t>
+            </a:r>
+            <a:r>
+              <a:rPr lang="en-US" dirty="0"/>
+              <a:t> </a:t>
+            </a:r>
+            <a:r>
+              <a:rPr lang="en-US" dirty="0" err="1"/>
+              <a:t>MinMaxScaler</a:t>
+            </a:r>
+            <a:endParaRPr lang="en-US" dirty="0"/>
+          </a:p>
+          <a:p>
+            <a:pPr lvl="1"/>
+            <a:r>
+              <a:rPr lang="en-US" dirty="0"/>
+              <a:t>Activation functions to scale the data available</a:t>
+            </a:r>
+          </a:p>
+          <a:p>
+            <a:r>
+              <a:rPr lang="en-US" dirty="0"/>
+              <a:t>Techniques</a:t>
+            </a:r>
+          </a:p>
+          <a:p>
+            <a:pPr lvl="1"/>
+            <a:r>
+              <a:rPr lang="en-US" dirty="0"/>
+              <a:t>Apply </a:t>
+            </a:r>
+            <a:r>
+              <a:rPr lang="en-US" dirty="0" err="1"/>
+              <a:t>Naives</a:t>
+            </a:r>
+            <a:r>
+              <a:rPr lang="en-US" dirty="0"/>
+              <a:t> Bayes &amp; Bayesian Models</a:t>
+            </a:r>
+          </a:p>
+          <a:p>
+            <a:pPr lvl="1"/>
+            <a:r>
+              <a:rPr lang="en-US" dirty="0"/>
+              <a:t>Apply Classifiers &amp; Logical regression to find correlations between several impacting factors</a:t>
+            </a:r>
+          </a:p>
+          <a:p>
+            <a:pPr lvl="1"/>
+            <a:r>
+              <a:rPr lang="en-US" dirty="0"/>
+              <a:t>Convolution neural networks to apply differing weights for each of the features</a:t>
+            </a:r>
           </a:p>
         </p:txBody>
       </p:sp>
     </p:spTree>
     <p:extLst>
       <p:ext uri="{BB962C8B-B14F-4D97-AF65-F5344CB8AC3E}">
-        <p14:creationId xmlns:p14="http://schemas.microsoft.com/office/powerpoint/2010/main" val="4204799982"/>
+        <p14:creationId xmlns:p14="http://schemas.microsoft.com/office/powerpoint/2010/main" val="775231820"/>
       </p:ext>
     </p:extLst>
   </p:cSld>
@@ -4707,7 +5679,7 @@
 <file path=ppt/theme/theme1.xml><?xml version="1.0" encoding="utf-8"?>
 <a:theme xmlns:a="http://schemas.openxmlformats.org/drawingml/2006/main" name="Dividend">
   <a:themeElements>
-    <a:clrScheme name="Dividend">
+    <a:clrScheme name="Blue Warm">
       <a:dk1>
         <a:sysClr val="windowText" lastClr="000000"/>
       </a:dk1>
@@ -4715,34 +5687,34 @@
         <a:sysClr val="window" lastClr="FFFFFF"/>
       </a:lt1>
       <a:dk2>
-        <a:srgbClr val="3D3D3D"/>
+        <a:srgbClr val="242852"/>
       </a:dk2>
       <a:lt2>
-        <a:srgbClr val="EBEBEB"/>
+        <a:srgbClr val="ACCBF9"/>
       </a:lt2>
       <a:accent1>
-        <a:srgbClr val="4D1434"/>
+        <a:srgbClr val="4A66AC"/>
       </a:accent1>
       <a:accent2>
-        <a:srgbClr val="903163"/>
+        <a:srgbClr val="629DD1"/>
       </a:accent2>
       <a:accent3>
-        <a:srgbClr val="B2324B"/>
+        <a:srgbClr val="297FD5"/>
       </a:accent3>
       <a:accent4>
-        <a:srgbClr val="969FA7"/>
+        <a:srgbClr val="7F8FA9"/>
       </a:accent4>
       <a:accent5>
-        <a:srgbClr val="66B1CE"/>
+        <a:srgbClr val="5AA2AE"/>
       </a:accent5>
       <a:accent6>
-        <a:srgbClr val="40619D"/>
+        <a:srgbClr val="9D90A0"/>
       </a:accent6>
       <a:hlink>
-        <a:srgbClr val="828282"/>
+        <a:srgbClr val="9454C3"/>
       </a:hlink>
       <a:folHlink>
-        <a:srgbClr val="A5A5A5"/>
+        <a:srgbClr val="3EBBF0"/>
       </a:folHlink>
     </a:clrScheme>
     <a:fontScheme name="Dividend">
@@ -4971,4 +5943,299 @@
     </a:ext>
   </a:extLst>
 </a:theme>
+</file>
+
+<file path=ppt/theme/theme2.xml><?xml version="1.0" encoding="utf-8"?>
+<a:theme xmlns:a="http://schemas.openxmlformats.org/drawingml/2006/main" name="Office Theme">
+  <a:themeElements>
+    <a:clrScheme name="Office">
+      <a:dk1>
+        <a:sysClr val="windowText" lastClr="000000"/>
+      </a:dk1>
+      <a:lt1>
+        <a:sysClr val="window" lastClr="FFFFFF"/>
+      </a:lt1>
+      <a:dk2>
+        <a:srgbClr val="44546A"/>
+      </a:dk2>
+      <a:lt2>
+        <a:srgbClr val="E7E6E6"/>
+      </a:lt2>
+      <a:accent1>
+        <a:srgbClr val="4472C4"/>
+      </a:accent1>
+      <a:accent2>
+        <a:srgbClr val="ED7D31"/>
+      </a:accent2>
+      <a:accent3>
+        <a:srgbClr val="A5A5A5"/>
+      </a:accent3>
+      <a:accent4>
+        <a:srgbClr val="FFC000"/>
+      </a:accent4>
+      <a:accent5>
+        <a:srgbClr val="5B9BD5"/>
+      </a:accent5>
+      <a:accent6>
+        <a:srgbClr val="70AD47"/>
+      </a:accent6>
+      <a:hlink>
+        <a:srgbClr val="0563C1"/>
+      </a:hlink>
+      <a:folHlink>
+        <a:srgbClr val="954F72"/>
+      </a:folHlink>
+    </a:clrScheme>
+    <a:fontScheme name="Office">
+      <a:majorFont>
+        <a:latin typeface="Calibri Light" panose="020F0302020204030204"/>
+        <a:ea typeface=""/>
+        <a:cs typeface=""/>
+        <a:font script="Jpan" typeface="游ゴシック Light"/>
+        <a:font script="Hang" typeface="맑은 고딕"/>
+        <a:font script="Hans" typeface="等线 Light"/>
+        <a:font script="Hant" typeface="新細明體"/>
+        <a:font script="Arab" typeface="Times New Roman"/>
+        <a:font script="Hebr" typeface="Times New Roman"/>
+        <a:font script="Thai" typeface="Angsana New"/>
+        <a:font script="Ethi" typeface="Nyala"/>
+        <a:font script="Beng" typeface="Vrinda"/>
+        <a:font script="Gujr" typeface="Shruti"/>
+        <a:font script="Khmr" typeface="MoolBoran"/>
+        <a:font script="Knda" typeface="Tunga"/>
+        <a:font script="Guru" typeface="Raavi"/>
+        <a:font script="Cans" typeface="Euphemia"/>
+        <a:font script="Cher" typeface="Plantagenet Cherokee"/>
+        <a:font script="Yiii" typeface="Microsoft Yi Baiti"/>
+        <a:font script="Tibt" typeface="Microsoft Himalaya"/>
+        <a:font script="Thaa" typeface="MV Boli"/>
+        <a:font script="Deva" typeface="Mangal"/>
+        <a:font script="Telu" typeface="Gautami"/>
+        <a:font script="Taml" typeface="Latha"/>
+        <a:font script="Syrc" typeface="Estrangelo Edessa"/>
+        <a:font script="Orya" typeface="Kalinga"/>
+        <a:font script="Mlym" typeface="Kartika"/>
+        <a:font script="Laoo" typeface="DokChampa"/>
+        <a:font script="Sinh" typeface="Iskoola Pota"/>
+        <a:font script="Mong" typeface="Mongolian Baiti"/>
+        <a:font script="Viet" typeface="Times New Roman"/>
+        <a:font script="Uigh" typeface="Microsoft Uighur"/>
+        <a:font script="Geor" typeface="Sylfaen"/>
+        <a:font script="Armn" typeface="Arial"/>
+        <a:font script="Bugi" typeface="Leelawadee UI"/>
+        <a:font script="Bopo" typeface="Microsoft JhengHei"/>
+        <a:font script="Java" typeface="Javanese Text"/>
+        <a:font script="Lisu" typeface="Segoe UI"/>
+        <a:font script="Mymr" typeface="Myanmar Text"/>
+        <a:font script="Nkoo" typeface="Ebrima"/>
+        <a:font script="Olck" typeface="Nirmala UI"/>
+        <a:font script="Osma" typeface="Ebrima"/>
+        <a:font script="Phag" typeface="Phagspa"/>
+        <a:font script="Syrn" typeface="Estrangelo Edessa"/>
+        <a:font script="Syrj" typeface="Estrangelo Edessa"/>
+        <a:font script="Syre" typeface="Estrangelo Edessa"/>
+        <a:font script="Sora" typeface="Nirmala UI"/>
+        <a:font script="Tale" typeface="Microsoft Tai Le"/>
+        <a:font script="Talu" typeface="Microsoft New Tai Lue"/>
+        <a:font script="Tfng" typeface="Ebrima"/>
+      </a:majorFont>
+      <a:minorFont>
+        <a:latin typeface="Calibri" panose="020F0502020204030204"/>
+        <a:ea typeface=""/>
+        <a:cs typeface=""/>
+        <a:font script="Jpan" typeface="游ゴシック"/>
+        <a:font script="Hang" typeface="맑은 고딕"/>
+        <a:font script="Hans" typeface="等线"/>
+        <a:font script="Hant" typeface="新細明體"/>
+        <a:font script="Arab" typeface="Arial"/>
+        <a:font script="Hebr" typeface="Arial"/>
+        <a:font script="Thai" typeface="Cordia New"/>
+        <a:font script="Ethi" typeface="Nyala"/>
+        <a:font script="Beng" typeface="Vrinda"/>
+        <a:font script="Gujr" typeface="Shruti"/>
+        <a:font script="Khmr" typeface="DaunPenh"/>
+        <a:font script="Knda" typeface="Tunga"/>
+        <a:font script="Guru" typeface="Raavi"/>
+        <a:font script="Cans" typeface="Euphemia"/>
+        <a:font script="Cher" typeface="Plantagenet Cherokee"/>
+        <a:font script="Yiii" typeface="Microsoft Yi Baiti"/>
+        <a:font script="Tibt" typeface="Microsoft Himalaya"/>
+        <a:font script="Thaa" typeface="MV Boli"/>
+        <a:font script="Deva" typeface="Mangal"/>
+        <a:font script="Telu" typeface="Gautami"/>
+        <a:font script="Taml" typeface="Latha"/>
+        <a:font script="Syrc" typeface="Estrangelo Edessa"/>
+        <a:font script="Orya" typeface="Kalinga"/>
+        <a:font script="Mlym" typeface="Kartika"/>
+        <a:font script="Laoo" typeface="DokChampa"/>
+        <a:font script="Sinh" typeface="Iskoola Pota"/>
+        <a:font script="Mong" typeface="Mongolian Baiti"/>
+        <a:font script="Viet" typeface="Arial"/>
+        <a:font script="Uigh" typeface="Microsoft Uighur"/>
+        <a:font script="Geor" typeface="Sylfaen"/>
+        <a:font script="Armn" typeface="Arial"/>
+        <a:font script="Bugi" typeface="Leelawadee UI"/>
+        <a:font script="Bopo" typeface="Microsoft JhengHei"/>
+        <a:font script="Java" typeface="Javanese Text"/>
+        <a:font script="Lisu" typeface="Segoe UI"/>
+        <a:font script="Mymr" typeface="Myanmar Text"/>
+        <a:font script="Nkoo" typeface="Ebrima"/>
+        <a:font script="Olck" typeface="Nirmala UI"/>
+        <a:font script="Osma" typeface="Ebrima"/>
+        <a:font script="Phag" typeface="Phagspa"/>
+        <a:font script="Syrn" typeface="Estrangelo Edessa"/>
+        <a:font script="Syrj" typeface="Estrangelo Edessa"/>
+        <a:font script="Syre" typeface="Estrangelo Edessa"/>
+        <a:font script="Sora" typeface="Nirmala UI"/>
+        <a:font script="Tale" typeface="Microsoft Tai Le"/>
+        <a:font script="Talu" typeface="Microsoft New Tai Lue"/>
+        <a:font script="Tfng" typeface="Ebrima"/>
+      </a:minorFont>
+    </a:fontScheme>
+    <a:fmtScheme name="Office">
+      <a:fillStyleLst>
+        <a:solidFill>
+          <a:schemeClr val="phClr"/>
+        </a:solidFill>
+        <a:gradFill rotWithShape="1">
+          <a:gsLst>
+            <a:gs pos="0">
+              <a:schemeClr val="phClr">
+                <a:lumMod val="110000"/>
+                <a:satMod val="105000"/>
+                <a:tint val="67000"/>
+              </a:schemeClr>
+            </a:gs>
+            <a:gs pos="50000">
+              <a:schemeClr val="phClr">
+                <a:lumMod val="105000"/>
+                <a:satMod val="103000"/>
+                <a:tint val="73000"/>
+              </a:schemeClr>
+            </a:gs>
+            <a:gs pos="100000">
+              <a:schemeClr val="phClr">
+                <a:lumMod val="105000"/>
+                <a:satMod val="109000"/>
+                <a:tint val="81000"/>
+              </a:schemeClr>
+            </a:gs>
+          </a:gsLst>
+          <a:lin ang="5400000" scaled="0"/>
+        </a:gradFill>
+        <a:gradFill rotWithShape="1">
+          <a:gsLst>
+            <a:gs pos="0">
+              <a:schemeClr val="phClr">
+                <a:satMod val="103000"/>
+                <a:lumMod val="102000"/>
+                <a:tint val="94000"/>
+              </a:schemeClr>
+            </a:gs>
+            <a:gs pos="50000">
+              <a:schemeClr val="phClr">
+                <a:satMod val="110000"/>
+                <a:lumMod val="100000"/>
+                <a:shade val="100000"/>
+              </a:schemeClr>
+            </a:gs>
+            <a:gs pos="100000">
+              <a:schemeClr val="phClr">
+                <a:lumMod val="99000"/>
+                <a:satMod val="120000"/>
+                <a:shade val="78000"/>
+              </a:schemeClr>
+            </a:gs>
+          </a:gsLst>
+          <a:lin ang="5400000" scaled="0"/>
+        </a:gradFill>
+      </a:fillStyleLst>
+      <a:lnStyleLst>
+        <a:ln w="6350" cap="flat" cmpd="sng" algn="ctr">
+          <a:solidFill>
+            <a:schemeClr val="phClr"/>
+          </a:solidFill>
+          <a:prstDash val="solid"/>
+          <a:miter lim="800000"/>
+        </a:ln>
+        <a:ln w="12700" cap="flat" cmpd="sng" algn="ctr">
+          <a:solidFill>
+            <a:schemeClr val="phClr"/>
+          </a:solidFill>
+          <a:prstDash val="solid"/>
+          <a:miter lim="800000"/>
+        </a:ln>
+        <a:ln w="19050" cap="flat" cmpd="sng" algn="ctr">
+          <a:solidFill>
+            <a:schemeClr val="phClr"/>
+          </a:solidFill>
+          <a:prstDash val="solid"/>
+          <a:miter lim="800000"/>
+        </a:ln>
+      </a:lnStyleLst>
+      <a:effectStyleLst>
+        <a:effectStyle>
+          <a:effectLst/>
+        </a:effectStyle>
+        <a:effectStyle>
+          <a:effectLst/>
+        </a:effectStyle>
+        <a:effectStyle>
+          <a:effectLst>
+            <a:outerShdw blurRad="57150" dist="19050" dir="5400000" algn="ctr" rotWithShape="0">
+              <a:srgbClr val="000000">
+                <a:alpha val="63000"/>
+              </a:srgbClr>
+            </a:outerShdw>
+          </a:effectLst>
+        </a:effectStyle>
+      </a:effectStyleLst>
+      <a:bgFillStyleLst>
+        <a:solidFill>
+          <a:schemeClr val="phClr"/>
+        </a:solidFill>
+        <a:solidFill>
+          <a:schemeClr val="phClr">
+            <a:tint val="95000"/>
+            <a:satMod val="170000"/>
+          </a:schemeClr>
+        </a:solidFill>
+        <a:gradFill rotWithShape="1">
+          <a:gsLst>
+            <a:gs pos="0">
+              <a:schemeClr val="phClr">
+                <a:tint val="93000"/>
+                <a:satMod val="150000"/>
+                <a:shade val="98000"/>
+                <a:lumMod val="102000"/>
+              </a:schemeClr>
+            </a:gs>
+            <a:gs pos="50000">
+              <a:schemeClr val="phClr">
+                <a:tint val="98000"/>
+                <a:satMod val="130000"/>
+                <a:shade val="90000"/>
+                <a:lumMod val="103000"/>
+              </a:schemeClr>
+            </a:gs>
+            <a:gs pos="100000">
+              <a:schemeClr val="phClr">
+                <a:shade val="63000"/>
+                <a:satMod val="120000"/>
+              </a:schemeClr>
+            </a:gs>
+          </a:gsLst>
+          <a:lin ang="5400000" scaled="0"/>
+        </a:gradFill>
+      </a:bgFillStyleLst>
+    </a:fmtScheme>
+  </a:themeElements>
+  <a:objectDefaults/>
+  <a:extraClrSchemeLst/>
+  <a:extLst>
+    <a:ext uri="{05A4C25C-085E-4340-85A3-A5531E510DB2}">
+      <thm15:themeFamily xmlns:thm15="http://schemas.microsoft.com/office/thememl/2012/main" name="Office Theme" id="{62F939B6-93AF-4DB8-9C6B-D6C7DFDC589F}" vid="{4A3C46E8-61CC-4603-A589-7422A47A8E4A}"/>
+    </a:ext>
+  </a:extLst>
+</a:theme>
 </file>